--- a/Pacman.pptx
+++ b/Pacman.pptx
@@ -5,7 +5,7 @@
     <p:sldMasterId id="2147483684" r:id="rId1"/>
   </p:sldMasterIdLst>
   <p:notesMasterIdLst>
-    <p:notesMasterId r:id="rId13"/>
+    <p:notesMasterId r:id="rId14"/>
   </p:notesMasterIdLst>
   <p:sldIdLst>
     <p:sldId id="256" r:id="rId2"/>
@@ -15,10 +15,11 @@
     <p:sldId id="260" r:id="rId6"/>
     <p:sldId id="262" r:id="rId7"/>
     <p:sldId id="272" r:id="rId8"/>
-    <p:sldId id="263" r:id="rId9"/>
-    <p:sldId id="264" r:id="rId10"/>
-    <p:sldId id="265" r:id="rId11"/>
-    <p:sldId id="266" r:id="rId12"/>
+    <p:sldId id="273" r:id="rId9"/>
+    <p:sldId id="263" r:id="rId10"/>
+    <p:sldId id="264" r:id="rId11"/>
+    <p:sldId id="265" r:id="rId12"/>
+    <p:sldId id="266" r:id="rId13"/>
   </p:sldIdLst>
   <p:sldSz cx="9144000" cy="6858000" type="screen4x3"/>
   <p:notesSz cx="6858000" cy="9144000"/>
@@ -119,7 +120,7 @@
   </p:defaultTextStyle>
   <p:extLst>
     <p:ext uri="{EFAFB233-063F-42B5-8137-9DF3F51BA10A}">
-      <p15:sldGuideLst xmlns:p15="http://schemas.microsoft.com/office/powerpoint/2012/main" xmlns="">
+      <p15:sldGuideLst xmlns:p15="http://schemas.microsoft.com/office/powerpoint/2012/main">
         <p15:guide id="1" orient="horz" pos="2160">
           <p15:clr>
             <a:srgbClr val="A4A3A4"/>
@@ -219,7 +220,7 @@
             <a:fld id="{227C3030-2624-41B9-A5FD-F5472F0C9FFD}" type="datetimeFigureOut">
               <a:rPr lang="hu-HU" smtClean="0"/>
               <a:pPr/>
-              <a:t>2016-06-05</a:t>
+              <a:t>2016.06.06.</a:t>
             </a:fld>
             <a:endParaRPr lang="hu-HU"/>
           </a:p>
@@ -390,7 +391,7 @@
     </p:spTree>
     <p:extLst>
       <p:ext uri="{BB962C8B-B14F-4D97-AF65-F5344CB8AC3E}">
-        <p14:creationId xmlns:p14="http://schemas.microsoft.com/office/powerpoint/2010/main" xmlns="" val="3184404727"/>
+        <p14:creationId xmlns:p14="http://schemas.microsoft.com/office/powerpoint/2010/main" val="3184404727"/>
       </p:ext>
     </p:extLst>
   </p:cSld>
@@ -567,7 +568,7 @@
     </p:spTree>
     <p:extLst>
       <p:ext uri="{BB962C8B-B14F-4D97-AF65-F5344CB8AC3E}">
-        <p14:creationId xmlns:p14="http://schemas.microsoft.com/office/powerpoint/2010/main" xmlns="" val="564967202"/>
+        <p14:creationId xmlns:p14="http://schemas.microsoft.com/office/powerpoint/2010/main" val="564967202"/>
       </p:ext>
     </p:extLst>
   </p:cSld>
@@ -1094,7 +1095,7 @@
             <a:fld id="{078BD94D-2D6D-4CFD-BBBC-C2C946953BEE}" type="datetimeFigureOut">
               <a:rPr lang="hu-HU" smtClean="0"/>
               <a:pPr/>
-              <a:t>2016-06-05</a:t>
+              <a:t>2016.06.06.</a:t>
             </a:fld>
             <a:endParaRPr lang="hu-HU"/>
           </a:p>
@@ -1196,7 +1197,7 @@
           </a:ln>
           <a:extLst>
             <a:ext uri="{91240B29-F687-4f45-9708-019B960494DF}">
-              <a14:hiddenLine xmlns="" xmlns:a14="http://schemas.microsoft.com/office/drawing/2010/main" w="9525">
+              <a14:hiddenLine xmlns:a14="http://schemas.microsoft.com/office/drawing/2010/main" xmlns="" w="9525">
                 <a:solidFill>
                   <a:srgbClr val="000000"/>
                 </a:solidFill>
@@ -1251,7 +1252,7 @@
           </a:ln>
           <a:extLst>
             <a:ext uri="{91240B29-F687-4f45-9708-019B960494DF}">
-              <a14:hiddenLine xmlns="" xmlns:a14="http://schemas.microsoft.com/office/drawing/2010/main" w="9525">
+              <a14:hiddenLine xmlns:a14="http://schemas.microsoft.com/office/drawing/2010/main" xmlns="" w="9525">
                 <a:solidFill>
                   <a:srgbClr val="000000"/>
                 </a:solidFill>
@@ -1266,7 +1267,7 @@
     </p:spTree>
     <p:extLst>
       <p:ext uri="{BB962C8B-B14F-4D97-AF65-F5344CB8AC3E}">
-        <p14:creationId xmlns:p14="http://schemas.microsoft.com/office/powerpoint/2010/main" xmlns="" val="3569791976"/>
+        <p14:creationId xmlns:p14="http://schemas.microsoft.com/office/powerpoint/2010/main" val="3569791976"/>
       </p:ext>
     </p:extLst>
   </p:cSld>
@@ -1507,7 +1508,7 @@
             <a:fld id="{078BD94D-2D6D-4CFD-BBBC-C2C946953BEE}" type="datetimeFigureOut">
               <a:rPr lang="hu-HU" smtClean="0"/>
               <a:pPr/>
-              <a:t>2016-06-05</a:t>
+              <a:t>2016.06.06.</a:t>
             </a:fld>
             <a:endParaRPr lang="hu-HU"/>
           </a:p>
@@ -1559,7 +1560,7 @@
     </p:spTree>
     <p:extLst>
       <p:ext uri="{BB962C8B-B14F-4D97-AF65-F5344CB8AC3E}">
-        <p14:creationId xmlns:p14="http://schemas.microsoft.com/office/powerpoint/2010/main" xmlns="" val="4084778967"/>
+        <p14:creationId xmlns:p14="http://schemas.microsoft.com/office/powerpoint/2010/main" val="4084778967"/>
       </p:ext>
     </p:extLst>
   </p:cSld>
@@ -1757,7 +1758,7 @@
             <a:fld id="{078BD94D-2D6D-4CFD-BBBC-C2C946953BEE}" type="datetimeFigureOut">
               <a:rPr lang="hu-HU" smtClean="0"/>
               <a:pPr/>
-              <a:t>2016-06-05</a:t>
+              <a:t>2016.06.06.</a:t>
             </a:fld>
             <a:endParaRPr lang="hu-HU"/>
           </a:p>
@@ -1809,7 +1810,7 @@
     </p:spTree>
     <p:extLst>
       <p:ext uri="{BB962C8B-B14F-4D97-AF65-F5344CB8AC3E}">
-        <p14:creationId xmlns:p14="http://schemas.microsoft.com/office/powerpoint/2010/main" xmlns="" val="4047105642"/>
+        <p14:creationId xmlns:p14="http://schemas.microsoft.com/office/powerpoint/2010/main" val="4047105642"/>
       </p:ext>
     </p:extLst>
   </p:cSld>
@@ -2299,7 +2300,7 @@
             <a:fld id="{078BD94D-2D6D-4CFD-BBBC-C2C946953BEE}" type="datetimeFigureOut">
               <a:rPr lang="hu-HU" smtClean="0"/>
               <a:pPr/>
-              <a:t>2016-06-05</a:t>
+              <a:t>2016.06.06.</a:t>
             </a:fld>
             <a:endParaRPr lang="hu-HU"/>
           </a:p>
@@ -2351,7 +2352,7 @@
     </p:spTree>
     <p:extLst>
       <p:ext uri="{BB962C8B-B14F-4D97-AF65-F5344CB8AC3E}">
-        <p14:creationId xmlns:p14="http://schemas.microsoft.com/office/powerpoint/2010/main" xmlns="" val="1860443725"/>
+        <p14:creationId xmlns:p14="http://schemas.microsoft.com/office/powerpoint/2010/main" val="1860443725"/>
       </p:ext>
     </p:extLst>
   </p:cSld>
@@ -2549,7 +2550,7 @@
             <a:fld id="{078BD94D-2D6D-4CFD-BBBC-C2C946953BEE}" type="datetimeFigureOut">
               <a:rPr lang="hu-HU" smtClean="0"/>
               <a:pPr/>
-              <a:t>2016-06-05</a:t>
+              <a:t>2016.06.06.</a:t>
             </a:fld>
             <a:endParaRPr lang="hu-HU"/>
           </a:p>
@@ -2601,7 +2602,7 @@
     </p:spTree>
     <p:extLst>
       <p:ext uri="{BB962C8B-B14F-4D97-AF65-F5344CB8AC3E}">
-        <p14:creationId xmlns:p14="http://schemas.microsoft.com/office/powerpoint/2010/main" xmlns="" val="3703719106"/>
+        <p14:creationId xmlns:p14="http://schemas.microsoft.com/office/powerpoint/2010/main" val="3703719106"/>
       </p:ext>
     </p:extLst>
   </p:cSld>
@@ -3083,7 +3084,7 @@
             <a:fld id="{078BD94D-2D6D-4CFD-BBBC-C2C946953BEE}" type="datetimeFigureOut">
               <a:rPr lang="hu-HU" smtClean="0"/>
               <a:pPr/>
-              <a:t>2016-06-05</a:t>
+              <a:t>2016.06.06.</a:t>
             </a:fld>
             <a:endParaRPr lang="hu-HU"/>
           </a:p>
@@ -3135,7 +3136,7 @@
     </p:spTree>
     <p:extLst>
       <p:ext uri="{BB962C8B-B14F-4D97-AF65-F5344CB8AC3E}">
-        <p14:creationId xmlns:p14="http://schemas.microsoft.com/office/powerpoint/2010/main" xmlns="" val="2009455635"/>
+        <p14:creationId xmlns:p14="http://schemas.microsoft.com/office/powerpoint/2010/main" val="2009455635"/>
       </p:ext>
     </p:extLst>
   </p:cSld>
@@ -3382,7 +3383,7 @@
             <a:fld id="{078BD94D-2D6D-4CFD-BBBC-C2C946953BEE}" type="datetimeFigureOut">
               <a:rPr lang="hu-HU" smtClean="0"/>
               <a:pPr/>
-              <a:t>2016-06-05</a:t>
+              <a:t>2016.06.06.</a:t>
             </a:fld>
             <a:endParaRPr lang="hu-HU"/>
           </a:p>
@@ -3434,7 +3435,7 @@
     </p:spTree>
     <p:extLst>
       <p:ext uri="{BB962C8B-B14F-4D97-AF65-F5344CB8AC3E}">
-        <p14:creationId xmlns:p14="http://schemas.microsoft.com/office/powerpoint/2010/main" xmlns="" val="1578083723"/>
+        <p14:creationId xmlns:p14="http://schemas.microsoft.com/office/powerpoint/2010/main" val="1578083723"/>
       </p:ext>
     </p:extLst>
   </p:cSld>
@@ -3558,7 +3559,7 @@
             <a:fld id="{078BD94D-2D6D-4CFD-BBBC-C2C946953BEE}" type="datetimeFigureOut">
               <a:rPr lang="hu-HU" smtClean="0"/>
               <a:pPr/>
-              <a:t>2016-06-05</a:t>
+              <a:t>2016.06.06.</a:t>
             </a:fld>
             <a:endParaRPr lang="hu-HU"/>
           </a:p>
@@ -3610,7 +3611,7 @@
     </p:spTree>
     <p:extLst>
       <p:ext uri="{BB962C8B-B14F-4D97-AF65-F5344CB8AC3E}">
-        <p14:creationId xmlns:p14="http://schemas.microsoft.com/office/powerpoint/2010/main" xmlns="" val="2023526149"/>
+        <p14:creationId xmlns:p14="http://schemas.microsoft.com/office/powerpoint/2010/main" val="2023526149"/>
       </p:ext>
     </p:extLst>
   </p:cSld>
@@ -3740,7 +3741,7 @@
             <a:fld id="{078BD94D-2D6D-4CFD-BBBC-C2C946953BEE}" type="datetimeFigureOut">
               <a:rPr lang="hu-HU" smtClean="0"/>
               <a:pPr/>
-              <a:t>2016-06-05</a:t>
+              <a:t>2016.06.06.</a:t>
             </a:fld>
             <a:endParaRPr lang="hu-HU"/>
           </a:p>
@@ -3792,7 +3793,7 @@
     </p:spTree>
     <p:extLst>
       <p:ext uri="{BB962C8B-B14F-4D97-AF65-F5344CB8AC3E}">
-        <p14:creationId xmlns:p14="http://schemas.microsoft.com/office/powerpoint/2010/main" xmlns="" val="3463038858"/>
+        <p14:creationId xmlns:p14="http://schemas.microsoft.com/office/powerpoint/2010/main" val="3463038858"/>
       </p:ext>
     </p:extLst>
   </p:cSld>
@@ -3927,7 +3928,7 @@
             <a:fld id="{078BD94D-2D6D-4CFD-BBBC-C2C946953BEE}" type="datetimeFigureOut">
               <a:rPr lang="hu-HU" smtClean="0"/>
               <a:pPr/>
-              <a:t>2016-06-05</a:t>
+              <a:t>2016.06.06.</a:t>
             </a:fld>
             <a:endParaRPr lang="hu-HU"/>
           </a:p>
@@ -3989,7 +3990,7 @@
     </p:spTree>
     <p:extLst>
       <p:ext uri="{BB962C8B-B14F-4D97-AF65-F5344CB8AC3E}">
-        <p14:creationId xmlns:p14="http://schemas.microsoft.com/office/powerpoint/2010/main" xmlns="" val="637329230"/>
+        <p14:creationId xmlns:p14="http://schemas.microsoft.com/office/powerpoint/2010/main" val="637329230"/>
       </p:ext>
     </p:extLst>
   </p:cSld>
@@ -4185,7 +4186,7 @@
             <a:fld id="{078BD94D-2D6D-4CFD-BBBC-C2C946953BEE}" type="datetimeFigureOut">
               <a:rPr lang="hu-HU" smtClean="0"/>
               <a:pPr/>
-              <a:t>2016-06-05</a:t>
+              <a:t>2016.06.06.</a:t>
             </a:fld>
             <a:endParaRPr lang="hu-HU"/>
           </a:p>
@@ -4242,7 +4243,7 @@
     </p:spTree>
     <p:extLst>
       <p:ext uri="{BB962C8B-B14F-4D97-AF65-F5344CB8AC3E}">
-        <p14:creationId xmlns:p14="http://schemas.microsoft.com/office/powerpoint/2010/main" xmlns="" val="3354759830"/>
+        <p14:creationId xmlns:p14="http://schemas.microsoft.com/office/powerpoint/2010/main" val="3354759830"/>
       </p:ext>
     </p:extLst>
   </p:cSld>
@@ -4489,7 +4490,7 @@
             <a:fld id="{078BD94D-2D6D-4CFD-BBBC-C2C946953BEE}" type="datetimeFigureOut">
               <a:rPr lang="hu-HU" smtClean="0"/>
               <a:pPr/>
-              <a:t>2016-06-05</a:t>
+              <a:t>2016.06.06.</a:t>
             </a:fld>
             <a:endParaRPr lang="hu-HU"/>
           </a:p>
@@ -4541,7 +4542,7 @@
     </p:spTree>
     <p:extLst>
       <p:ext uri="{BB962C8B-B14F-4D97-AF65-F5344CB8AC3E}">
-        <p14:creationId xmlns:p14="http://schemas.microsoft.com/office/powerpoint/2010/main" xmlns="" val="3108626870"/>
+        <p14:creationId xmlns:p14="http://schemas.microsoft.com/office/powerpoint/2010/main" val="3108626870"/>
       </p:ext>
     </p:extLst>
   </p:cSld>
@@ -4933,7 +4934,7 @@
             <a:fld id="{078BD94D-2D6D-4CFD-BBBC-C2C946953BEE}" type="datetimeFigureOut">
               <a:rPr lang="hu-HU" smtClean="0"/>
               <a:pPr/>
-              <a:t>2016-06-05</a:t>
+              <a:t>2016.06.06.</a:t>
             </a:fld>
             <a:endParaRPr lang="hu-HU"/>
           </a:p>
@@ -4985,7 +4986,7 @@
     </p:spTree>
     <p:extLst>
       <p:ext uri="{BB962C8B-B14F-4D97-AF65-F5344CB8AC3E}">
-        <p14:creationId xmlns:p14="http://schemas.microsoft.com/office/powerpoint/2010/main" xmlns="" val="1767219369"/>
+        <p14:creationId xmlns:p14="http://schemas.microsoft.com/office/powerpoint/2010/main" val="1767219369"/>
       </p:ext>
     </p:extLst>
   </p:cSld>
@@ -5053,7 +5054,7 @@
             <a:fld id="{078BD94D-2D6D-4CFD-BBBC-C2C946953BEE}" type="datetimeFigureOut">
               <a:rPr lang="hu-HU" smtClean="0"/>
               <a:pPr/>
-              <a:t>2016-06-05</a:t>
+              <a:t>2016.06.06.</a:t>
             </a:fld>
             <a:endParaRPr lang="hu-HU"/>
           </a:p>
@@ -5105,7 +5106,7 @@
     </p:spTree>
     <p:extLst>
       <p:ext uri="{BB962C8B-B14F-4D97-AF65-F5344CB8AC3E}">
-        <p14:creationId xmlns:p14="http://schemas.microsoft.com/office/powerpoint/2010/main" xmlns="" val="1745259683"/>
+        <p14:creationId xmlns:p14="http://schemas.microsoft.com/office/powerpoint/2010/main" val="1745259683"/>
       </p:ext>
     </p:extLst>
   </p:cSld>
@@ -5150,7 +5151,7 @@
             <a:fld id="{078BD94D-2D6D-4CFD-BBBC-C2C946953BEE}" type="datetimeFigureOut">
               <a:rPr lang="hu-HU" smtClean="0"/>
               <a:pPr/>
-              <a:t>2016-06-05</a:t>
+              <a:t>2016.06.06.</a:t>
             </a:fld>
             <a:endParaRPr lang="hu-HU"/>
           </a:p>
@@ -5202,7 +5203,7 @@
     </p:spTree>
     <p:extLst>
       <p:ext uri="{BB962C8B-B14F-4D97-AF65-F5344CB8AC3E}">
-        <p14:creationId xmlns:p14="http://schemas.microsoft.com/office/powerpoint/2010/main" xmlns="" val="2678197517"/>
+        <p14:creationId xmlns:p14="http://schemas.microsoft.com/office/powerpoint/2010/main" val="2678197517"/>
       </p:ext>
     </p:extLst>
   </p:cSld>
@@ -5435,7 +5436,7 @@
             <a:fld id="{078BD94D-2D6D-4CFD-BBBC-C2C946953BEE}" type="datetimeFigureOut">
               <a:rPr lang="hu-HU" smtClean="0"/>
               <a:pPr/>
-              <a:t>2016-06-05</a:t>
+              <a:t>2016.06.06.</a:t>
             </a:fld>
             <a:endParaRPr lang="hu-HU"/>
           </a:p>
@@ -5487,7 +5488,7 @@
     </p:spTree>
     <p:extLst>
       <p:ext uri="{BB962C8B-B14F-4D97-AF65-F5344CB8AC3E}">
-        <p14:creationId xmlns:p14="http://schemas.microsoft.com/office/powerpoint/2010/main" xmlns="" val="3858037708"/>
+        <p14:creationId xmlns:p14="http://schemas.microsoft.com/office/powerpoint/2010/main" val="3858037708"/>
       </p:ext>
     </p:extLst>
   </p:cSld>
@@ -5728,7 +5729,7 @@
             <a:fld id="{078BD94D-2D6D-4CFD-BBBC-C2C946953BEE}" type="datetimeFigureOut">
               <a:rPr lang="hu-HU" smtClean="0"/>
               <a:pPr/>
-              <a:t>2016-06-05</a:t>
+              <a:t>2016.06.06.</a:t>
             </a:fld>
             <a:endParaRPr lang="hu-HU"/>
           </a:p>
@@ -5780,7 +5781,7 @@
     </p:spTree>
     <p:extLst>
       <p:ext uri="{BB962C8B-B14F-4D97-AF65-F5344CB8AC3E}">
-        <p14:creationId xmlns:p14="http://schemas.microsoft.com/office/powerpoint/2010/main" xmlns="" val="1280318852"/>
+        <p14:creationId xmlns:p14="http://schemas.microsoft.com/office/powerpoint/2010/main" val="1280318852"/>
       </p:ext>
     </p:extLst>
   </p:cSld>
@@ -6254,7 +6255,7 @@
             <a:fld id="{078BD94D-2D6D-4CFD-BBBC-C2C946953BEE}" type="datetimeFigureOut">
               <a:rPr lang="hu-HU" smtClean="0"/>
               <a:pPr/>
-              <a:t>2016-06-05</a:t>
+              <a:t>2016.06.06.</a:t>
             </a:fld>
             <a:endParaRPr lang="hu-HU"/>
           </a:p>
@@ -6342,7 +6343,7 @@
     </p:spTree>
     <p:extLst>
       <p:ext uri="{BB962C8B-B14F-4D97-AF65-F5344CB8AC3E}">
-        <p14:creationId xmlns:p14="http://schemas.microsoft.com/office/powerpoint/2010/main" xmlns="" val="4193078650"/>
+        <p14:creationId xmlns:p14="http://schemas.microsoft.com/office/powerpoint/2010/main" val="4193078650"/>
       </p:ext>
     </p:extLst>
   </p:cSld>
@@ -6817,10 +6818,6 @@
               <a:rPr lang="hu-HU" dirty="0" smtClean="0"/>
               <a:t> </a:t>
             </a:r>
-            <a:r>
-              <a:rPr lang="hu-HU" dirty="0" smtClean="0"/>
-              <a:t/>
-            </a:r>
             <a:br>
               <a:rPr lang="hu-HU" dirty="0" smtClean="0"/>
             </a:br>
@@ -6878,20 +6875,6 @@
               </a:rPr>
               <a:t>Objektumorientált Szoftverfejlesztés</a:t>
             </a:r>
-            <a:endParaRPr kumimoji="0" lang="hu-HU" sz="3200" b="0" i="0" u="none" strike="noStrike" kern="1200" cap="none" spc="0" normalizeH="0" baseline="0" noProof="0" dirty="0" smtClean="0">
-              <a:ln>
-                <a:noFill/>
-              </a:ln>
-              <a:solidFill>
-                <a:schemeClr val="tx1"/>
-              </a:solidFill>
-              <a:effectLst/>
-              <a:uLnTx/>
-              <a:uFillTx/>
-              <a:latin typeface="+mn-lt"/>
-              <a:ea typeface="+mn-ea"/>
-              <a:cs typeface="+mn-cs"/>
-            </a:endParaRPr>
           </a:p>
           <a:p>
             <a:pPr algn="ctr">
@@ -7003,6 +6986,64 @@
 </file>
 
 <file path=ppt/slides/slide10.xml><?xml version="1.0" encoding="utf-8"?>
+<p:sld xmlns:a="http://schemas.openxmlformats.org/drawingml/2006/main" xmlns:r="http://schemas.openxmlformats.org/officeDocument/2006/relationships" xmlns:p="http://schemas.openxmlformats.org/presentationml/2006/main">
+  <p:cSld>
+    <p:spTree>
+      <p:nvGrpSpPr>
+        <p:cNvPr id="1" name=""/>
+        <p:cNvGrpSpPr/>
+        <p:nvPr/>
+      </p:nvGrpSpPr>
+      <p:grpSpPr>
+        <a:xfrm>
+          <a:off x="0" y="0"/>
+          <a:ext cx="0" cy="0"/>
+          <a:chOff x="0" y="0"/>
+          <a:chExt cx="0" cy="0"/>
+        </a:xfrm>
+      </p:grpSpPr>
+      <p:pic>
+        <p:nvPicPr>
+          <p:cNvPr id="5122" name="Picture 2"/>
+          <p:cNvPicPr>
+            <a:picLocks noChangeAspect="1" noChangeArrowheads="1"/>
+          </p:cNvPicPr>
+          <p:nvPr/>
+        </p:nvPicPr>
+        <p:blipFill>
+          <a:blip r:embed="rId2"/>
+          <a:srcRect/>
+          <a:stretch>
+            <a:fillRect/>
+          </a:stretch>
+        </p:blipFill>
+        <p:spPr bwMode="auto">
+          <a:xfrm>
+            <a:off x="1000099" y="1142984"/>
+            <a:ext cx="7533358" cy="4714908"/>
+          </a:xfrm>
+          <a:prstGeom prst="rect">
+            <a:avLst/>
+          </a:prstGeom>
+          <a:noFill/>
+          <a:ln w="9525">
+            <a:noFill/>
+            <a:miter lim="800000"/>
+            <a:headEnd/>
+            <a:tailEnd/>
+          </a:ln>
+          <a:effectLst/>
+        </p:spPr>
+      </p:pic>
+    </p:spTree>
+  </p:cSld>
+  <p:clrMapOvr>
+    <a:masterClrMapping/>
+  </p:clrMapOvr>
+</p:sld>
+</file>
+
+<file path=ppt/slides/slide11.xml><?xml version="1.0" encoding="utf-8"?>
 <p:sld xmlns:a="http://schemas.openxmlformats.org/drawingml/2006/main" xmlns:r="http://schemas.openxmlformats.org/officeDocument/2006/relationships" xmlns:p="http://schemas.openxmlformats.org/presentationml/2006/main">
   <p:cSld>
     <p:spTree>
@@ -7060,7 +7101,7 @@
 </p:sld>
 </file>
 
-<file path=ppt/slides/slide11.xml><?xml version="1.0" encoding="utf-8"?>
+<file path=ppt/slides/slide12.xml><?xml version="1.0" encoding="utf-8"?>
 <p:sld xmlns:a="http://schemas.openxmlformats.org/drawingml/2006/main" xmlns:r="http://schemas.openxmlformats.org/officeDocument/2006/relationships" xmlns:p="http://schemas.openxmlformats.org/presentationml/2006/main">
   <p:cSld>
     <p:spTree>
@@ -7177,14 +7218,12 @@
               <a:rPr lang="hu-HU" dirty="0" smtClean="0"/>
               <a:t>Objektumorientált struktúra</a:t>
             </a:r>
-            <a:endParaRPr lang="hu-HU" dirty="0" smtClean="0"/>
           </a:p>
           <a:p>
             <a:r>
               <a:rPr lang="hu-HU" dirty="0" smtClean="0"/>
               <a:t>Toplista mentés külön file-ba</a:t>
             </a:r>
-            <a:endParaRPr lang="hu-HU" dirty="0" smtClean="0"/>
           </a:p>
           <a:p>
             <a:r>
@@ -7197,7 +7236,6 @@
               <a:rPr lang="hu-HU" dirty="0" smtClean="0"/>
               <a:t>Zene</a:t>
             </a:r>
-            <a:endParaRPr lang="hu-HU" dirty="0" smtClean="0"/>
           </a:p>
           <a:p>
             <a:endParaRPr lang="hu-HU" dirty="0"/>
@@ -7553,7 +7591,6 @@
               <a:rPr lang="hu-HU" dirty="0" smtClean="0"/>
               <a:t> játék</a:t>
             </a:r>
-            <a:endParaRPr lang="hu-HU" dirty="0" smtClean="0"/>
           </a:p>
           <a:p>
             <a:r>
@@ -7572,14 +7609,12 @@
               <a:rPr lang="hu-HU" dirty="0" smtClean="0"/>
               <a:t> külön file-ban</a:t>
             </a:r>
-            <a:endParaRPr lang="hu-HU" dirty="0" smtClean="0"/>
           </a:p>
           <a:p>
             <a:r>
               <a:rPr lang="hu-HU" dirty="0" smtClean="0"/>
               <a:t>Zene</a:t>
             </a:r>
-            <a:endParaRPr lang="hu-HU" dirty="0" smtClean="0"/>
           </a:p>
         </p:txBody>
       </p:sp>
@@ -7832,7 +7867,7 @@
     </p:spTree>
     <p:extLst>
       <p:ext uri="{BB962C8B-B14F-4D97-AF65-F5344CB8AC3E}">
-        <p14:creationId xmlns:p14="http://schemas.microsoft.com/office/powerpoint/2010/main" xmlns="" val="3677681288"/>
+        <p14:creationId xmlns:p14="http://schemas.microsoft.com/office/powerpoint/2010/main" val="3677681288"/>
       </p:ext>
     </p:extLst>
   </p:cSld>
@@ -7861,61 +7896,215 @@
       </p:grpSpPr>
       <p:sp>
         <p:nvSpPr>
-          <p:cNvPr id="2" name="Title 1"/>
-          <p:cNvSpPr>
-            <a:spLocks noGrp="1"/>
-          </p:cNvSpPr>
-          <p:nvPr>
-            <p:ph type="title"/>
-          </p:nvPr>
-        </p:nvSpPr>
-        <p:spPr/>
-        <p:txBody>
-          <a:bodyPr anchor="t" anchorCtr="0"/>
-          <a:lstStyle/>
-          <a:p>
-            <a:r>
-              <a:rPr lang="hu-HU" dirty="0" smtClean="0"/>
-              <a:t>A program működése</a:t>
-            </a:r>
-            <a:endParaRPr lang="hu-HU" dirty="0"/>
-          </a:p>
-        </p:txBody>
-      </p:sp>
-      <p:pic>
-        <p:nvPicPr>
-          <p:cNvPr id="4098" name="Picture 2"/>
-          <p:cNvPicPr>
-            <a:picLocks noChangeAspect="1" noChangeArrowheads="1"/>
-          </p:cNvPicPr>
+          <p:cNvPr id="4" name="Title 1"/>
+          <p:cNvSpPr txBox="1">
+            <a:spLocks/>
+          </p:cNvSpPr>
           <p:nvPr/>
-        </p:nvPicPr>
-        <p:blipFill>
-          <a:blip r:embed="rId2"/>
-          <a:srcRect/>
-          <a:stretch>
-            <a:fillRect/>
-          </a:stretch>
-        </p:blipFill>
-        <p:spPr bwMode="auto">
+        </p:nvSpPr>
+        <p:spPr>
           <a:xfrm>
-            <a:off x="857224" y="1214422"/>
-            <a:ext cx="7710506" cy="4815257"/>
+            <a:off x="982133" y="0"/>
+            <a:ext cx="7704667" cy="692696"/>
           </a:xfrm>
           <a:prstGeom prst="rect">
             <a:avLst/>
           </a:prstGeom>
-          <a:noFill/>
-          <a:ln w="9525">
-            <a:noFill/>
-            <a:miter lim="800000"/>
-            <a:headEnd/>
-            <a:tailEnd/>
-          </a:ln>
           <a:effectLst/>
         </p:spPr>
-      </p:pic>
+        <p:txBody>
+          <a:bodyPr vert="horz" lIns="91440" tIns="45720" rIns="91440" bIns="45720" rtlCol="0" anchor="ctr">
+            <a:normAutofit fontScale="75000" lnSpcReduction="20000"/>
+          </a:bodyPr>
+          <a:lstStyle>
+            <a:lvl1pPr algn="ctr" defTabSz="457200" rtl="0" eaLnBrk="1" latinLnBrk="0" hangingPunct="1">
+              <a:spcBef>
+                <a:spcPct val="0"/>
+              </a:spcBef>
+              <a:buNone/>
+              <a:defRPr sz="4000" kern="1200" cap="none">
+                <a:ln w="3175" cmpd="sng">
+                  <a:noFill/>
+                </a:ln>
+                <a:solidFill>
+                  <a:schemeClr val="tx1"/>
+                </a:solidFill>
+                <a:effectLst/>
+                <a:latin typeface="+mj-lt"/>
+                <a:ea typeface="+mj-ea"/>
+                <a:cs typeface="+mj-cs"/>
+              </a:defRPr>
+            </a:lvl1pPr>
+            <a:lvl2pPr eaLnBrk="1" hangingPunct="1">
+              <a:defRPr>
+                <a:solidFill>
+                  <a:schemeClr val="tx2"/>
+                </a:solidFill>
+              </a:defRPr>
+            </a:lvl2pPr>
+            <a:lvl3pPr eaLnBrk="1" hangingPunct="1">
+              <a:defRPr>
+                <a:solidFill>
+                  <a:schemeClr val="tx2"/>
+                </a:solidFill>
+              </a:defRPr>
+            </a:lvl3pPr>
+            <a:lvl4pPr eaLnBrk="1" hangingPunct="1">
+              <a:defRPr>
+                <a:solidFill>
+                  <a:schemeClr val="tx2"/>
+                </a:solidFill>
+              </a:defRPr>
+            </a:lvl4pPr>
+            <a:lvl5pPr eaLnBrk="1" hangingPunct="1">
+              <a:defRPr>
+                <a:solidFill>
+                  <a:schemeClr val="tx2"/>
+                </a:solidFill>
+              </a:defRPr>
+            </a:lvl5pPr>
+            <a:lvl6pPr eaLnBrk="1" hangingPunct="1">
+              <a:defRPr>
+                <a:solidFill>
+                  <a:schemeClr val="tx2"/>
+                </a:solidFill>
+              </a:defRPr>
+            </a:lvl6pPr>
+            <a:lvl7pPr eaLnBrk="1" hangingPunct="1">
+              <a:defRPr>
+                <a:solidFill>
+                  <a:schemeClr val="tx2"/>
+                </a:solidFill>
+              </a:defRPr>
+            </a:lvl7pPr>
+            <a:lvl8pPr eaLnBrk="1" hangingPunct="1">
+              <a:defRPr>
+                <a:solidFill>
+                  <a:schemeClr val="tx2"/>
+                </a:solidFill>
+              </a:defRPr>
+            </a:lvl8pPr>
+            <a:lvl9pPr eaLnBrk="1" hangingPunct="1">
+              <a:defRPr>
+                <a:solidFill>
+                  <a:schemeClr val="tx2"/>
+                </a:solidFill>
+              </a:defRPr>
+            </a:lvl9pPr>
+          </a:lstStyle>
+          <a:p>
+            <a:r>
+              <a:rPr lang="hu-HU" dirty="0" smtClean="0"/>
+              <a:t>Pálya generálás DFS Backtrack algoritmussal</a:t>
+            </a:r>
+            <a:endParaRPr lang="hu-HU" dirty="0"/>
+          </a:p>
+        </p:txBody>
+      </p:sp>
+      <p:sp>
+        <p:nvSpPr>
+          <p:cNvPr id="5" name="Content Placeholder 2"/>
+          <p:cNvSpPr>
+            <a:spLocks noGrp="1"/>
+          </p:cNvSpPr>
+          <p:nvPr>
+            <p:ph idx="1"/>
+          </p:nvPr>
+        </p:nvSpPr>
+        <p:spPr>
+          <a:xfrm>
+            <a:off x="982133" y="836712"/>
+            <a:ext cx="7704667" cy="5163104"/>
+          </a:xfrm>
+        </p:spPr>
+        <p:txBody>
+          <a:bodyPr>
+            <a:normAutofit fontScale="85000" lnSpcReduction="10000"/>
+          </a:bodyPr>
+          <a:lstStyle/>
+          <a:p>
+            <a:r>
+              <a:rPr lang="hu-HU" dirty="0" smtClean="0"/>
+              <a:t>Kiindulópont egy 2 dimenziós tömb, ahol minden mezőnek áll 4 fala</a:t>
+            </a:r>
+          </a:p>
+          <a:p>
+            <a:r>
+              <a:rPr lang="hu-HU" dirty="0" smtClean="0"/>
+              <a:t>Nyilván tartjuk a meglátogatott mezők számát</a:t>
+            </a:r>
+          </a:p>
+          <a:p>
+            <a:r>
+              <a:rPr lang="hu-HU" dirty="0" smtClean="0"/>
+              <a:t>Az aktuális mezőt a tömb első elemére álltjuk</a:t>
+            </a:r>
+          </a:p>
+          <a:p>
+            <a:r>
+              <a:rPr lang="hu-HU" dirty="0" smtClean="0"/>
+              <a:t>Az alábbi eljárást követjük, amíg a meglátogatott mezők száma &lt; tömb mérete</a:t>
+            </a:r>
+          </a:p>
+          <a:p>
+            <a:pPr lvl="1"/>
+            <a:r>
+              <a:rPr lang="hu-HU" dirty="0" smtClean="0"/>
+              <a:t>Megvizsgáljuk az aktuális mező szomszédait – melyeknél áll mind a 4 fal</a:t>
+            </a:r>
+          </a:p>
+          <a:p>
+            <a:pPr lvl="1"/>
+            <a:r>
+              <a:rPr lang="hu-HU" dirty="0" smtClean="0"/>
+              <a:t>Ha van ilyen szomszéd:</a:t>
+            </a:r>
+            <a:endParaRPr lang="hu-HU" dirty="0" smtClean="0"/>
+          </a:p>
+          <a:p>
+            <a:pPr lvl="2"/>
+            <a:r>
+              <a:rPr lang="hu-HU" dirty="0" smtClean="0"/>
+              <a:t>Ebből választunk egyet véletlenszerűen és az aktuális és választott mező között a falakat leromboljuk</a:t>
+            </a:r>
+          </a:p>
+          <a:p>
+            <a:pPr lvl="2"/>
+            <a:r>
+              <a:rPr lang="hu-HU" dirty="0" smtClean="0"/>
+              <a:t>Az aktuális mezőt felteszzük a stack-re</a:t>
+            </a:r>
+          </a:p>
+          <a:p>
+            <a:pPr lvl="2"/>
+            <a:r>
+              <a:rPr lang="hu-HU" dirty="0" smtClean="0"/>
+              <a:t>Az aktuális mezőt átállítjuk a választott szomszédra</a:t>
+            </a:r>
+          </a:p>
+          <a:p>
+            <a:pPr lvl="2"/>
+            <a:r>
+              <a:rPr lang="hu-HU" dirty="0" smtClean="0"/>
+              <a:t>A meglátogatott mezők számát növeljük 1-gyel</a:t>
+            </a:r>
+            <a:endParaRPr lang="hu-HU" dirty="0"/>
+          </a:p>
+          <a:p>
+            <a:pPr lvl="1"/>
+            <a:r>
+              <a:rPr lang="hu-HU" dirty="0" smtClean="0"/>
+              <a:t>Ha nincs ilyen szomszéd, akkor a stackről addig vesszük le az elemeket, míg nem találunk olyan mezőt, aminek van 4 fallal rendelkező szomszédja (backtrack)</a:t>
+            </a:r>
+          </a:p>
+        </p:txBody>
+      </p:sp>
     </p:spTree>
+    <p:extLst>
+      <p:ext uri="{BB962C8B-B14F-4D97-AF65-F5344CB8AC3E}">
+        <p14:creationId xmlns:p14="http://schemas.microsoft.com/office/powerpoint/2010/main" val="1830417908"/>
+      </p:ext>
+    </p:extLst>
   </p:cSld>
   <p:clrMapOvr>
     <a:masterClrMapping/>
@@ -7940,9 +8129,32 @@
           <a:chExt cx="0" cy="0"/>
         </a:xfrm>
       </p:grpSpPr>
+      <p:sp>
+        <p:nvSpPr>
+          <p:cNvPr id="2" name="Title 1"/>
+          <p:cNvSpPr>
+            <a:spLocks noGrp="1"/>
+          </p:cNvSpPr>
+          <p:nvPr>
+            <p:ph type="title"/>
+          </p:nvPr>
+        </p:nvSpPr>
+        <p:spPr/>
+        <p:txBody>
+          <a:bodyPr anchor="t" anchorCtr="0"/>
+          <a:lstStyle/>
+          <a:p>
+            <a:r>
+              <a:rPr lang="hu-HU" dirty="0" smtClean="0"/>
+              <a:t>A program működése</a:t>
+            </a:r>
+            <a:endParaRPr lang="hu-HU" dirty="0"/>
+          </a:p>
+        </p:txBody>
+      </p:sp>
       <p:pic>
         <p:nvPicPr>
-          <p:cNvPr id="5122" name="Picture 2"/>
+          <p:cNvPr id="4098" name="Picture 2"/>
           <p:cNvPicPr>
             <a:picLocks noChangeAspect="1" noChangeArrowheads="1"/>
           </p:cNvPicPr>
@@ -7957,8 +8169,8 @@
         </p:blipFill>
         <p:spPr bwMode="auto">
           <a:xfrm>
-            <a:off x="1000099" y="1142984"/>
-            <a:ext cx="7533358" cy="4714908"/>
+            <a:off x="857224" y="1214422"/>
+            <a:ext cx="7710506" cy="4815257"/>
           </a:xfrm>
           <a:prstGeom prst="rect">
             <a:avLst/>
@@ -8231,7 +8443,7 @@
   <a:extraClrSchemeLst/>
   <a:extLst>
     <a:ext uri="{05A4C25C-085E-4340-85A3-A5531E510DB2}">
-      <thm15:themeFamily xmlns:thm15="http://schemas.microsoft.com/office/thememl/2012/main" xmlns="" name="Parallax" id="{3388167B-A2EB-4685-9635-1831D9AEF8C4}" vid="{4F7A876A-7598-49CA-AFC8-8EDA2551E4A7}"/>
+      <thm15:themeFamily xmlns:thm15="http://schemas.microsoft.com/office/thememl/2012/main" name="Parallax" id="{3388167B-A2EB-4685-9635-1831D9AEF8C4}" vid="{4F7A876A-7598-49CA-AFC8-8EDA2551E4A7}"/>
     </a:ext>
   </a:extLst>
 </a:theme>
